--- a/Pictures/Blogwyrm_art_10(Oct)_2018.pptx
+++ b/Pictures/Blogwyrm_art_10(Oct)_2018.pptx
@@ -156,10 +156,9 @@
           </a:lstStyle>
           <a:p>
             <a:r>
-              <a:rPr lang="en-US" smtClean="0"/>
+              <a:rPr lang="en-US"/>
               <a:t>Click to edit Master title style</a:t>
             </a:r>
-            <a:endParaRPr lang="en-US"/>
           </a:p>
         </p:txBody>
       </p:sp>
@@ -221,10 +220,9 @@
           </a:lstStyle>
           <a:p>
             <a:r>
-              <a:rPr lang="en-US" smtClean="0"/>
+              <a:rPr lang="en-US"/>
               <a:t>Click to edit Master subtitle style</a:t>
             </a:r>
-            <a:endParaRPr lang="en-US"/>
           </a:p>
         </p:txBody>
       </p:sp>
@@ -245,7 +243,7 @@
           <a:p>
             <a:fld id="{1B4FFFFF-D109-47E2-BE2A-0BFA55382BAB}" type="datetimeFigureOut">
               <a:rPr lang="en-US" smtClean="0"/>
-              <a:t>10/24/2018</a:t>
+              <a:t>11/17/2018</a:t>
             </a:fld>
             <a:endParaRPr lang="en-US"/>
           </a:p>
@@ -339,10 +337,9 @@
           <a:lstStyle/>
           <a:p>
             <a:r>
-              <a:rPr lang="en-US" smtClean="0"/>
+              <a:rPr lang="en-US"/>
               <a:t>Click to edit Master title style</a:t>
             </a:r>
-            <a:endParaRPr lang="en-US"/>
           </a:p>
         </p:txBody>
       </p:sp>
@@ -363,38 +360,37 @@
           <a:p>
             <a:pPr lvl="0"/>
             <a:r>
-              <a:rPr lang="en-US" smtClean="0"/>
+              <a:rPr lang="en-US"/>
               <a:t>Edit Master text styles</a:t>
             </a:r>
           </a:p>
           <a:p>
             <a:pPr lvl="1"/>
             <a:r>
-              <a:rPr lang="en-US" smtClean="0"/>
+              <a:rPr lang="en-US"/>
               <a:t>Second level</a:t>
             </a:r>
           </a:p>
           <a:p>
             <a:pPr lvl="2"/>
             <a:r>
-              <a:rPr lang="en-US" smtClean="0"/>
+              <a:rPr lang="en-US"/>
               <a:t>Third level</a:t>
             </a:r>
           </a:p>
           <a:p>
             <a:pPr lvl="3"/>
             <a:r>
-              <a:rPr lang="en-US" smtClean="0"/>
+              <a:rPr lang="en-US"/>
               <a:t>Fourth level</a:t>
             </a:r>
           </a:p>
           <a:p>
             <a:pPr lvl="4"/>
             <a:r>
-              <a:rPr lang="en-US" smtClean="0"/>
+              <a:rPr lang="en-US"/>
               <a:t>Fifth level</a:t>
             </a:r>
-            <a:endParaRPr lang="en-US"/>
           </a:p>
         </p:txBody>
       </p:sp>
@@ -415,7 +411,7 @@
           <a:p>
             <a:fld id="{1B4FFFFF-D109-47E2-BE2A-0BFA55382BAB}" type="datetimeFigureOut">
               <a:rPr lang="en-US" smtClean="0"/>
-              <a:t>10/24/2018</a:t>
+              <a:t>11/17/2018</a:t>
             </a:fld>
             <a:endParaRPr lang="en-US"/>
           </a:p>
@@ -514,10 +510,9 @@
           <a:lstStyle/>
           <a:p>
             <a:r>
-              <a:rPr lang="en-US" smtClean="0"/>
+              <a:rPr lang="en-US"/>
               <a:t>Click to edit Master title style</a:t>
             </a:r>
-            <a:endParaRPr lang="en-US"/>
           </a:p>
         </p:txBody>
       </p:sp>
@@ -543,38 +538,37 @@
           <a:p>
             <a:pPr lvl="0"/>
             <a:r>
-              <a:rPr lang="en-US" smtClean="0"/>
+              <a:rPr lang="en-US"/>
               <a:t>Edit Master text styles</a:t>
             </a:r>
           </a:p>
           <a:p>
             <a:pPr lvl="1"/>
             <a:r>
-              <a:rPr lang="en-US" smtClean="0"/>
+              <a:rPr lang="en-US"/>
               <a:t>Second level</a:t>
             </a:r>
           </a:p>
           <a:p>
             <a:pPr lvl="2"/>
             <a:r>
-              <a:rPr lang="en-US" smtClean="0"/>
+              <a:rPr lang="en-US"/>
               <a:t>Third level</a:t>
             </a:r>
           </a:p>
           <a:p>
             <a:pPr lvl="3"/>
             <a:r>
-              <a:rPr lang="en-US" smtClean="0"/>
+              <a:rPr lang="en-US"/>
               <a:t>Fourth level</a:t>
             </a:r>
           </a:p>
           <a:p>
             <a:pPr lvl="4"/>
             <a:r>
-              <a:rPr lang="en-US" smtClean="0"/>
+              <a:rPr lang="en-US"/>
               <a:t>Fifth level</a:t>
             </a:r>
-            <a:endParaRPr lang="en-US"/>
           </a:p>
         </p:txBody>
       </p:sp>
@@ -595,7 +589,7 @@
           <a:p>
             <a:fld id="{1B4FFFFF-D109-47E2-BE2A-0BFA55382BAB}" type="datetimeFigureOut">
               <a:rPr lang="en-US" smtClean="0"/>
-              <a:t>10/24/2018</a:t>
+              <a:t>11/17/2018</a:t>
             </a:fld>
             <a:endParaRPr lang="en-US"/>
           </a:p>
@@ -689,10 +683,9 @@
           <a:lstStyle/>
           <a:p>
             <a:r>
-              <a:rPr lang="en-US" smtClean="0"/>
+              <a:rPr lang="en-US"/>
               <a:t>Click to edit Master title style</a:t>
             </a:r>
-            <a:endParaRPr lang="en-US"/>
           </a:p>
         </p:txBody>
       </p:sp>
@@ -713,38 +706,37 @@
           <a:p>
             <a:pPr lvl="0"/>
             <a:r>
-              <a:rPr lang="en-US" smtClean="0"/>
+              <a:rPr lang="en-US"/>
               <a:t>Edit Master text styles</a:t>
             </a:r>
           </a:p>
           <a:p>
             <a:pPr lvl="1"/>
             <a:r>
-              <a:rPr lang="en-US" smtClean="0"/>
+              <a:rPr lang="en-US"/>
               <a:t>Second level</a:t>
             </a:r>
           </a:p>
           <a:p>
             <a:pPr lvl="2"/>
             <a:r>
-              <a:rPr lang="en-US" smtClean="0"/>
+              <a:rPr lang="en-US"/>
               <a:t>Third level</a:t>
             </a:r>
           </a:p>
           <a:p>
             <a:pPr lvl="3"/>
             <a:r>
-              <a:rPr lang="en-US" smtClean="0"/>
+              <a:rPr lang="en-US"/>
               <a:t>Fourth level</a:t>
             </a:r>
           </a:p>
           <a:p>
             <a:pPr lvl="4"/>
             <a:r>
-              <a:rPr lang="en-US" smtClean="0"/>
+              <a:rPr lang="en-US"/>
               <a:t>Fifth level</a:t>
             </a:r>
-            <a:endParaRPr lang="en-US"/>
           </a:p>
         </p:txBody>
       </p:sp>
@@ -765,7 +757,7 @@
           <a:p>
             <a:fld id="{1B4FFFFF-D109-47E2-BE2A-0BFA55382BAB}" type="datetimeFigureOut">
               <a:rPr lang="en-US" smtClean="0"/>
-              <a:t>10/24/2018</a:t>
+              <a:t>11/17/2018</a:t>
             </a:fld>
             <a:endParaRPr lang="en-US"/>
           </a:p>
@@ -868,10 +860,9 @@
           </a:lstStyle>
           <a:p>
             <a:r>
-              <a:rPr lang="en-US" smtClean="0"/>
+              <a:rPr lang="en-US"/>
               <a:t>Click to edit Master title style</a:t>
             </a:r>
-            <a:endParaRPr lang="en-US"/>
           </a:p>
         </p:txBody>
       </p:sp>
@@ -988,7 +979,7 @@
           <a:p>
             <a:pPr lvl="0"/>
             <a:r>
-              <a:rPr lang="en-US" smtClean="0"/>
+              <a:rPr lang="en-US"/>
               <a:t>Edit Master text styles</a:t>
             </a:r>
           </a:p>
@@ -1011,7 +1002,7 @@
           <a:p>
             <a:fld id="{1B4FFFFF-D109-47E2-BE2A-0BFA55382BAB}" type="datetimeFigureOut">
               <a:rPr lang="en-US" smtClean="0"/>
-              <a:t>10/24/2018</a:t>
+              <a:t>11/17/2018</a:t>
             </a:fld>
             <a:endParaRPr lang="en-US"/>
           </a:p>
@@ -1105,10 +1096,9 @@
           <a:lstStyle/>
           <a:p>
             <a:r>
-              <a:rPr lang="en-US" smtClean="0"/>
+              <a:rPr lang="en-US"/>
               <a:t>Click to edit Master title style</a:t>
             </a:r>
-            <a:endParaRPr lang="en-US"/>
           </a:p>
         </p:txBody>
       </p:sp>
@@ -1134,38 +1124,37 @@
           <a:p>
             <a:pPr lvl="0"/>
             <a:r>
-              <a:rPr lang="en-US" smtClean="0"/>
+              <a:rPr lang="en-US"/>
               <a:t>Edit Master text styles</a:t>
             </a:r>
           </a:p>
           <a:p>
             <a:pPr lvl="1"/>
             <a:r>
-              <a:rPr lang="en-US" smtClean="0"/>
+              <a:rPr lang="en-US"/>
               <a:t>Second level</a:t>
             </a:r>
           </a:p>
           <a:p>
             <a:pPr lvl="2"/>
             <a:r>
-              <a:rPr lang="en-US" smtClean="0"/>
+              <a:rPr lang="en-US"/>
               <a:t>Third level</a:t>
             </a:r>
           </a:p>
           <a:p>
             <a:pPr lvl="3"/>
             <a:r>
-              <a:rPr lang="en-US" smtClean="0"/>
+              <a:rPr lang="en-US"/>
               <a:t>Fourth level</a:t>
             </a:r>
           </a:p>
           <a:p>
             <a:pPr lvl="4"/>
             <a:r>
-              <a:rPr lang="en-US" smtClean="0"/>
+              <a:rPr lang="en-US"/>
               <a:t>Fifth level</a:t>
             </a:r>
-            <a:endParaRPr lang="en-US"/>
           </a:p>
         </p:txBody>
       </p:sp>
@@ -1191,38 +1180,37 @@
           <a:p>
             <a:pPr lvl="0"/>
             <a:r>
-              <a:rPr lang="en-US" smtClean="0"/>
+              <a:rPr lang="en-US"/>
               <a:t>Edit Master text styles</a:t>
             </a:r>
           </a:p>
           <a:p>
             <a:pPr lvl="1"/>
             <a:r>
-              <a:rPr lang="en-US" smtClean="0"/>
+              <a:rPr lang="en-US"/>
               <a:t>Second level</a:t>
             </a:r>
           </a:p>
           <a:p>
             <a:pPr lvl="2"/>
             <a:r>
-              <a:rPr lang="en-US" smtClean="0"/>
+              <a:rPr lang="en-US"/>
               <a:t>Third level</a:t>
             </a:r>
           </a:p>
           <a:p>
             <a:pPr lvl="3"/>
             <a:r>
-              <a:rPr lang="en-US" smtClean="0"/>
+              <a:rPr lang="en-US"/>
               <a:t>Fourth level</a:t>
             </a:r>
           </a:p>
           <a:p>
             <a:pPr lvl="4"/>
             <a:r>
-              <a:rPr lang="en-US" smtClean="0"/>
+              <a:rPr lang="en-US"/>
               <a:t>Fifth level</a:t>
             </a:r>
-            <a:endParaRPr lang="en-US"/>
           </a:p>
         </p:txBody>
       </p:sp>
@@ -1243,7 +1231,7 @@
           <a:p>
             <a:fld id="{1B4FFFFF-D109-47E2-BE2A-0BFA55382BAB}" type="datetimeFigureOut">
               <a:rPr lang="en-US" smtClean="0"/>
-              <a:t>10/24/2018</a:t>
+              <a:t>11/17/2018</a:t>
             </a:fld>
             <a:endParaRPr lang="en-US"/>
           </a:p>
@@ -1342,10 +1330,9 @@
           <a:lstStyle/>
           <a:p>
             <a:r>
-              <a:rPr lang="en-US" smtClean="0"/>
+              <a:rPr lang="en-US"/>
               <a:t>Click to edit Master title style</a:t>
             </a:r>
-            <a:endParaRPr lang="en-US"/>
           </a:p>
         </p:txBody>
       </p:sp>
@@ -1408,7 +1395,7 @@
           <a:p>
             <a:pPr lvl="0"/>
             <a:r>
-              <a:rPr lang="en-US" smtClean="0"/>
+              <a:rPr lang="en-US"/>
               <a:t>Edit Master text styles</a:t>
             </a:r>
           </a:p>
@@ -1436,38 +1423,37 @@
           <a:p>
             <a:pPr lvl="0"/>
             <a:r>
-              <a:rPr lang="en-US" smtClean="0"/>
+              <a:rPr lang="en-US"/>
               <a:t>Edit Master text styles</a:t>
             </a:r>
           </a:p>
           <a:p>
             <a:pPr lvl="1"/>
             <a:r>
-              <a:rPr lang="en-US" smtClean="0"/>
+              <a:rPr lang="en-US"/>
               <a:t>Second level</a:t>
             </a:r>
           </a:p>
           <a:p>
             <a:pPr lvl="2"/>
             <a:r>
-              <a:rPr lang="en-US" smtClean="0"/>
+              <a:rPr lang="en-US"/>
               <a:t>Third level</a:t>
             </a:r>
           </a:p>
           <a:p>
             <a:pPr lvl="3"/>
             <a:r>
-              <a:rPr lang="en-US" smtClean="0"/>
+              <a:rPr lang="en-US"/>
               <a:t>Fourth level</a:t>
             </a:r>
           </a:p>
           <a:p>
             <a:pPr lvl="4"/>
             <a:r>
-              <a:rPr lang="en-US" smtClean="0"/>
+              <a:rPr lang="en-US"/>
               <a:t>Fifth level</a:t>
             </a:r>
-            <a:endParaRPr lang="en-US"/>
           </a:p>
         </p:txBody>
       </p:sp>
@@ -1530,7 +1516,7 @@
           <a:p>
             <a:pPr lvl="0"/>
             <a:r>
-              <a:rPr lang="en-US" smtClean="0"/>
+              <a:rPr lang="en-US"/>
               <a:t>Edit Master text styles</a:t>
             </a:r>
           </a:p>
@@ -1558,38 +1544,37 @@
           <a:p>
             <a:pPr lvl="0"/>
             <a:r>
-              <a:rPr lang="en-US" smtClean="0"/>
+              <a:rPr lang="en-US"/>
               <a:t>Edit Master text styles</a:t>
             </a:r>
           </a:p>
           <a:p>
             <a:pPr lvl="1"/>
             <a:r>
-              <a:rPr lang="en-US" smtClean="0"/>
+              <a:rPr lang="en-US"/>
               <a:t>Second level</a:t>
             </a:r>
           </a:p>
           <a:p>
             <a:pPr lvl="2"/>
             <a:r>
-              <a:rPr lang="en-US" smtClean="0"/>
+              <a:rPr lang="en-US"/>
               <a:t>Third level</a:t>
             </a:r>
           </a:p>
           <a:p>
             <a:pPr lvl="3"/>
             <a:r>
-              <a:rPr lang="en-US" smtClean="0"/>
+              <a:rPr lang="en-US"/>
               <a:t>Fourth level</a:t>
             </a:r>
           </a:p>
           <a:p>
             <a:pPr lvl="4"/>
             <a:r>
-              <a:rPr lang="en-US" smtClean="0"/>
+              <a:rPr lang="en-US"/>
               <a:t>Fifth level</a:t>
             </a:r>
-            <a:endParaRPr lang="en-US"/>
           </a:p>
         </p:txBody>
       </p:sp>
@@ -1610,7 +1595,7 @@
           <a:p>
             <a:fld id="{1B4FFFFF-D109-47E2-BE2A-0BFA55382BAB}" type="datetimeFigureOut">
               <a:rPr lang="en-US" smtClean="0"/>
-              <a:t>10/24/2018</a:t>
+              <a:t>11/17/2018</a:t>
             </a:fld>
             <a:endParaRPr lang="en-US"/>
           </a:p>
@@ -1704,10 +1689,9 @@
           <a:lstStyle/>
           <a:p>
             <a:r>
-              <a:rPr lang="en-US" smtClean="0"/>
+              <a:rPr lang="en-US"/>
               <a:t>Click to edit Master title style</a:t>
             </a:r>
-            <a:endParaRPr lang="en-US"/>
           </a:p>
         </p:txBody>
       </p:sp>
@@ -1728,7 +1712,7 @@
           <a:p>
             <a:fld id="{1B4FFFFF-D109-47E2-BE2A-0BFA55382BAB}" type="datetimeFigureOut">
               <a:rPr lang="en-US" smtClean="0"/>
-              <a:t>10/24/2018</a:t>
+              <a:t>11/17/2018</a:t>
             </a:fld>
             <a:endParaRPr lang="en-US"/>
           </a:p>
@@ -1823,7 +1807,7 @@
           <a:p>
             <a:fld id="{1B4FFFFF-D109-47E2-BE2A-0BFA55382BAB}" type="datetimeFigureOut">
               <a:rPr lang="en-US" smtClean="0"/>
-              <a:t>10/24/2018</a:t>
+              <a:t>11/17/2018</a:t>
             </a:fld>
             <a:endParaRPr lang="en-US"/>
           </a:p>
@@ -1926,10 +1910,9 @@
           </a:lstStyle>
           <a:p>
             <a:r>
-              <a:rPr lang="en-US" smtClean="0"/>
+              <a:rPr lang="en-US"/>
               <a:t>Click to edit Master title style</a:t>
             </a:r>
-            <a:endParaRPr lang="en-US"/>
           </a:p>
         </p:txBody>
       </p:sp>
@@ -1983,38 +1966,37 @@
           <a:p>
             <a:pPr lvl="0"/>
             <a:r>
-              <a:rPr lang="en-US" smtClean="0"/>
+              <a:rPr lang="en-US"/>
               <a:t>Edit Master text styles</a:t>
             </a:r>
           </a:p>
           <a:p>
             <a:pPr lvl="1"/>
             <a:r>
-              <a:rPr lang="en-US" smtClean="0"/>
+              <a:rPr lang="en-US"/>
               <a:t>Second level</a:t>
             </a:r>
           </a:p>
           <a:p>
             <a:pPr lvl="2"/>
             <a:r>
-              <a:rPr lang="en-US" smtClean="0"/>
+              <a:rPr lang="en-US"/>
               <a:t>Third level</a:t>
             </a:r>
           </a:p>
           <a:p>
             <a:pPr lvl="3"/>
             <a:r>
-              <a:rPr lang="en-US" smtClean="0"/>
+              <a:rPr lang="en-US"/>
               <a:t>Fourth level</a:t>
             </a:r>
           </a:p>
           <a:p>
             <a:pPr lvl="4"/>
             <a:r>
-              <a:rPr lang="en-US" smtClean="0"/>
+              <a:rPr lang="en-US"/>
               <a:t>Fifth level</a:t>
             </a:r>
-            <a:endParaRPr lang="en-US"/>
           </a:p>
         </p:txBody>
       </p:sp>
@@ -2077,7 +2059,7 @@
           <a:p>
             <a:pPr lvl="0"/>
             <a:r>
-              <a:rPr lang="en-US" smtClean="0"/>
+              <a:rPr lang="en-US"/>
               <a:t>Edit Master text styles</a:t>
             </a:r>
           </a:p>
@@ -2100,7 +2082,7 @@
           <a:p>
             <a:fld id="{1B4FFFFF-D109-47E2-BE2A-0BFA55382BAB}" type="datetimeFigureOut">
               <a:rPr lang="en-US" smtClean="0"/>
-              <a:t>10/24/2018</a:t>
+              <a:t>11/17/2018</a:t>
             </a:fld>
             <a:endParaRPr lang="en-US"/>
           </a:p>
@@ -2203,10 +2185,9 @@
           </a:lstStyle>
           <a:p>
             <a:r>
-              <a:rPr lang="en-US" smtClean="0"/>
+              <a:rPr lang="en-US"/>
               <a:t>Click to edit Master title style</a:t>
             </a:r>
-            <a:endParaRPr lang="en-US"/>
           </a:p>
         </p:txBody>
       </p:sp>
@@ -2330,7 +2311,7 @@
           <a:p>
             <a:pPr lvl="0"/>
             <a:r>
-              <a:rPr lang="en-US" smtClean="0"/>
+              <a:rPr lang="en-US"/>
               <a:t>Edit Master text styles</a:t>
             </a:r>
           </a:p>
@@ -2353,7 +2334,7 @@
           <a:p>
             <a:fld id="{1B4FFFFF-D109-47E2-BE2A-0BFA55382BAB}" type="datetimeFigureOut">
               <a:rPr lang="en-US" smtClean="0"/>
-              <a:t>10/24/2018</a:t>
+              <a:t>11/17/2018</a:t>
             </a:fld>
             <a:endParaRPr lang="en-US"/>
           </a:p>
@@ -2462,10 +2443,9 @@
           <a:lstStyle/>
           <a:p>
             <a:r>
-              <a:rPr lang="en-US" smtClean="0"/>
+              <a:rPr lang="en-US"/>
               <a:t>Click to edit Master title style</a:t>
             </a:r>
-            <a:endParaRPr lang="en-US"/>
           </a:p>
         </p:txBody>
       </p:sp>
@@ -2496,38 +2476,37 @@
           <a:p>
             <a:pPr lvl="0"/>
             <a:r>
-              <a:rPr lang="en-US" smtClean="0"/>
+              <a:rPr lang="en-US"/>
               <a:t>Edit Master text styles</a:t>
             </a:r>
           </a:p>
           <a:p>
             <a:pPr lvl="1"/>
             <a:r>
-              <a:rPr lang="en-US" smtClean="0"/>
+              <a:rPr lang="en-US"/>
               <a:t>Second level</a:t>
             </a:r>
           </a:p>
           <a:p>
             <a:pPr lvl="2"/>
             <a:r>
-              <a:rPr lang="en-US" smtClean="0"/>
+              <a:rPr lang="en-US"/>
               <a:t>Third level</a:t>
             </a:r>
           </a:p>
           <a:p>
             <a:pPr lvl="3"/>
             <a:r>
-              <a:rPr lang="en-US" smtClean="0"/>
+              <a:rPr lang="en-US"/>
               <a:t>Fourth level</a:t>
             </a:r>
           </a:p>
           <a:p>
             <a:pPr lvl="4"/>
             <a:r>
-              <a:rPr lang="en-US" smtClean="0"/>
+              <a:rPr lang="en-US"/>
               <a:t>Fifth level</a:t>
             </a:r>
-            <a:endParaRPr lang="en-US"/>
           </a:p>
         </p:txBody>
       </p:sp>
@@ -2566,7 +2545,7 @@
           <a:p>
             <a:fld id="{1B4FFFFF-D109-47E2-BE2A-0BFA55382BAB}" type="datetimeFigureOut">
               <a:rPr lang="en-US" smtClean="0"/>
-              <a:t>10/24/2018</a:t>
+              <a:t>11/17/2018</a:t>
             </a:fld>
             <a:endParaRPr lang="en-US"/>
           </a:p>
@@ -4858,8 +4837,8 @@
           </a:fontRef>
         </p:style>
       </p:cxnSp>
-      <mc:AlternateContent xmlns:mc="http://schemas.openxmlformats.org/markup-compatibility/2006">
-        <mc:Choice xmlns:a14="http://schemas.microsoft.com/office/drawing/2010/main" Requires="a14">
+      <mc:AlternateContent xmlns:mc="http://schemas.openxmlformats.org/markup-compatibility/2006" xmlns:a14="http://schemas.microsoft.com/office/drawing/2010/main">
+        <mc:Choice Requires="a14">
           <p:sp>
             <p:nvSpPr>
               <p:cNvPr id="24" name="TextBox 23"/>
@@ -4882,6 +4861,7 @@
               </a:bodyPr>
               <a:lstStyle/>
               <a:p>
+                <a:pPr/>
                 <a14:m>
                   <m:oMathPara xmlns:m="http://schemas.openxmlformats.org/officeDocument/2006/math">
                     <m:oMathParaPr>
@@ -4939,7 +4919,7 @@
             </p:txBody>
           </p:sp>
         </mc:Choice>
-        <mc:Fallback>
+        <mc:Fallback xmlns="">
           <p:sp>
             <p:nvSpPr>
               <p:cNvPr id="24" name="TextBox 23"/>
@@ -5051,8 +5031,8 @@
           </a:fontRef>
         </p:style>
       </p:cxnSp>
-      <mc:AlternateContent xmlns:mc="http://schemas.openxmlformats.org/markup-compatibility/2006">
-        <mc:Choice xmlns:a14="http://schemas.microsoft.com/office/drawing/2010/main" Requires="a14">
+      <mc:AlternateContent xmlns:mc="http://schemas.openxmlformats.org/markup-compatibility/2006" xmlns:a14="http://schemas.microsoft.com/office/drawing/2010/main">
+        <mc:Choice Requires="a14">
           <p:sp>
             <p:nvSpPr>
               <p:cNvPr id="64" name="TextBox 63"/>
@@ -5075,6 +5055,7 @@
               </a:bodyPr>
               <a:lstStyle/>
               <a:p>
+                <a:pPr/>
                 <a14:m>
                   <m:oMathPara xmlns:m="http://schemas.openxmlformats.org/officeDocument/2006/math">
                     <m:oMathParaPr>
@@ -5132,7 +5113,7 @@
             </p:txBody>
           </p:sp>
         </mc:Choice>
-        <mc:Fallback>
+        <mc:Fallback xmlns="">
           <p:sp>
             <p:nvSpPr>
               <p:cNvPr id="64" name="TextBox 63"/>
@@ -5201,160 +5182,8 @@
           <a:chExt cx="0" cy="0"/>
         </a:xfrm>
       </p:grpSpPr>
-      <p:sp>
-        <p:nvSpPr>
-          <p:cNvPr id="35" name="Cube 34"/>
-          <p:cNvSpPr/>
-          <p:nvPr/>
-        </p:nvSpPr>
-        <p:spPr>
-          <a:xfrm>
-            <a:off x="8489879" y="2005891"/>
-            <a:ext cx="1064152" cy="1097281"/>
-          </a:xfrm>
-          <a:prstGeom prst="cube">
-            <a:avLst>
-              <a:gd name="adj" fmla="val 26531"/>
-            </a:avLst>
-          </a:prstGeom>
-        </p:spPr>
-        <p:style>
-          <a:lnRef idx="0">
-            <a:schemeClr val="accent2"/>
-          </a:lnRef>
-          <a:fillRef idx="3">
-            <a:schemeClr val="accent2"/>
-          </a:fillRef>
-          <a:effectRef idx="3">
-            <a:schemeClr val="accent2"/>
-          </a:effectRef>
-          <a:fontRef idx="minor">
-            <a:schemeClr val="lt1"/>
-          </a:fontRef>
-        </p:style>
-        <p:txBody>
-          <a:bodyPr rtlCol="0" anchor="ctr"/>
-          <a:lstStyle/>
-          <a:p>
-            <a:pPr algn="ctr"/>
-            <a:endParaRPr lang="en-US"/>
-          </a:p>
-        </p:txBody>
-      </p:sp>
-      <p:sp>
-        <p:nvSpPr>
-          <p:cNvPr id="2" name="Cube 1"/>
-          <p:cNvSpPr/>
-          <p:nvPr/>
-        </p:nvSpPr>
-        <p:spPr>
-          <a:xfrm>
-            <a:off x="7768425" y="2154803"/>
-            <a:ext cx="1653872" cy="1653872"/>
-          </a:xfrm>
-          <a:prstGeom prst="cube">
-            <a:avLst/>
-          </a:prstGeom>
-        </p:spPr>
-        <p:style>
-          <a:lnRef idx="0">
-            <a:schemeClr val="accent6"/>
-          </a:lnRef>
-          <a:fillRef idx="3">
-            <a:schemeClr val="accent6"/>
-          </a:fillRef>
-          <a:effectRef idx="3">
-            <a:schemeClr val="accent6"/>
-          </a:effectRef>
-          <a:fontRef idx="minor">
-            <a:schemeClr val="lt1"/>
-          </a:fontRef>
-        </p:style>
-        <p:txBody>
-          <a:bodyPr rtlCol="0" anchor="ctr"/>
-          <a:lstStyle/>
-          <a:p>
-            <a:pPr algn="ctr"/>
-            <a:endParaRPr lang="en-US"/>
-          </a:p>
-        </p:txBody>
-      </p:sp>
-      <p:sp>
-        <p:nvSpPr>
-          <p:cNvPr id="34" name="Cube 33"/>
-          <p:cNvSpPr/>
-          <p:nvPr/>
-        </p:nvSpPr>
-        <p:spPr>
-          <a:xfrm>
-            <a:off x="7714533" y="2785954"/>
-            <a:ext cx="1064152" cy="1097281"/>
-          </a:xfrm>
-          <a:prstGeom prst="cube">
-            <a:avLst>
-              <a:gd name="adj" fmla="val 26531"/>
-            </a:avLst>
-          </a:prstGeom>
-        </p:spPr>
-        <p:style>
-          <a:lnRef idx="0">
-            <a:schemeClr val="accent2"/>
-          </a:lnRef>
-          <a:fillRef idx="3">
-            <a:schemeClr val="accent2"/>
-          </a:fillRef>
-          <a:effectRef idx="3">
-            <a:schemeClr val="accent2"/>
-          </a:effectRef>
-          <a:fontRef idx="minor">
-            <a:schemeClr val="lt1"/>
-          </a:fontRef>
-        </p:style>
-        <p:txBody>
-          <a:bodyPr rtlCol="0" anchor="ctr"/>
-          <a:lstStyle/>
-          <a:p>
-            <a:pPr algn="ctr"/>
-            <a:endParaRPr lang="en-US"/>
-          </a:p>
-        </p:txBody>
-      </p:sp>
-      <p:cxnSp>
-        <p:nvCxnSpPr>
-          <p:cNvPr id="5" name="Straight Arrow Connector 4"/>
-          <p:cNvCxnSpPr/>
-          <p:nvPr/>
-        </p:nvCxnSpPr>
-        <p:spPr>
-          <a:xfrm flipH="1">
-            <a:off x="7666446" y="2137449"/>
-            <a:ext cx="397691" cy="408358"/>
-          </a:xfrm>
-          <a:prstGeom prst="straightConnector1">
-            <a:avLst/>
-          </a:prstGeom>
-          <a:ln>
-            <a:headEnd type="stealth" w="sm" len="sm"/>
-            <a:tailEnd type="stealth" w="sm" len="sm"/>
-          </a:ln>
-        </p:spPr>
-        <p:style>
-          <a:lnRef idx="1">
-            <a:schemeClr val="dk1"/>
-          </a:lnRef>
-          <a:fillRef idx="0">
-            <a:schemeClr val="dk1"/>
-          </a:fillRef>
-          <a:effectRef idx="0">
-            <a:schemeClr val="dk1"/>
-          </a:effectRef>
-          <a:fontRef idx="minor">
-            <a:schemeClr val="tx1"/>
-          </a:fontRef>
-        </p:style>
-      </p:cxnSp>
-      <mc:AlternateContent xmlns:mc="http://schemas.openxmlformats.org/markup-compatibility/2006">
-        <mc:Choice xmlns:a14="http://schemas.microsoft.com/office/drawing/2010/main" Requires="a14">
+      <mc:AlternateContent xmlns:mc="http://schemas.openxmlformats.org/markup-compatibility/2006" xmlns:a14="http://schemas.microsoft.com/office/drawing/2010/main">
+        <mc:Choice Requires="a14">
           <p:sp>
             <p:nvSpPr>
               <p:cNvPr id="31" name="TextBox 30"/>
@@ -5377,6 +5206,7 @@
               </a:bodyPr>
               <a:lstStyle/>
               <a:p>
+                <a:pPr/>
                 <a14:m>
                   <m:oMathPara xmlns:m="http://schemas.openxmlformats.org/officeDocument/2006/math">
                     <m:oMathParaPr>
@@ -5409,7 +5239,7 @@
             </p:txBody>
           </p:sp>
         </mc:Choice>
-        <mc:Fallback>
+        <mc:Fallback xmlns="">
           <p:sp>
             <p:nvSpPr>
               <p:cNvPr id="31" name="TextBox 30"/>
@@ -5430,398 +5260,6 @@
                 <a:blip r:embed="rId2"/>
                 <a:stretch>
                   <a:fillRect t="-2174"/>
-                </a:stretch>
-              </a:blipFill>
-            </p:spPr>
-            <p:txBody>
-              <a:bodyPr/>
-              <a:lstStyle/>
-              <a:p>
-                <a:r>
-                  <a:rPr lang="en-US">
-                    <a:noFill/>
-                  </a:rPr>
-                  <a:t> </a:t>
-                </a:r>
-              </a:p>
-            </p:txBody>
-          </p:sp>
-        </mc:Fallback>
-      </mc:AlternateContent>
-      <p:cxnSp>
-        <p:nvCxnSpPr>
-          <p:cNvPr id="55" name="Straight Arrow Connector 54"/>
-          <p:cNvCxnSpPr/>
-          <p:nvPr/>
-        </p:nvCxnSpPr>
-        <p:spPr>
-          <a:xfrm flipH="1">
-            <a:off x="7759717" y="2779740"/>
-            <a:ext cx="228600" cy="0"/>
-          </a:xfrm>
-          <a:prstGeom prst="straightConnector1">
-            <a:avLst/>
-          </a:prstGeom>
-          <a:ln>
-            <a:headEnd type="stealth" w="sm" len="sm"/>
-            <a:tailEnd type="stealth" w="sm" len="sm"/>
-          </a:ln>
-        </p:spPr>
-        <p:style>
-          <a:lnRef idx="1">
-            <a:schemeClr val="dk1"/>
-          </a:lnRef>
-          <a:fillRef idx="0">
-            <a:schemeClr val="dk1"/>
-          </a:fillRef>
-          <a:effectRef idx="0">
-            <a:schemeClr val="dk1"/>
-          </a:effectRef>
-          <a:fontRef idx="minor">
-            <a:schemeClr val="tx1"/>
-          </a:fontRef>
-        </p:style>
-      </p:cxnSp>
-      <p:cxnSp>
-        <p:nvCxnSpPr>
-          <p:cNvPr id="56" name="Straight Arrow Connector 55"/>
-          <p:cNvCxnSpPr/>
-          <p:nvPr/>
-        </p:nvCxnSpPr>
-        <p:spPr>
-          <a:xfrm>
-            <a:off x="7998038" y="2563160"/>
-            <a:ext cx="0" cy="228600"/>
-          </a:xfrm>
-          <a:prstGeom prst="straightConnector1">
-            <a:avLst/>
-          </a:prstGeom>
-          <a:ln>
-            <a:headEnd type="stealth" w="sm" len="sm"/>
-            <a:tailEnd type="stealth" w="sm" len="sm"/>
-          </a:ln>
-        </p:spPr>
-        <p:style>
-          <a:lnRef idx="1">
-            <a:schemeClr val="dk1"/>
-          </a:lnRef>
-          <a:fillRef idx="0">
-            <a:schemeClr val="dk1"/>
-          </a:fillRef>
-          <a:effectRef idx="0">
-            <a:schemeClr val="dk1"/>
-          </a:effectRef>
-          <a:fontRef idx="minor">
-            <a:schemeClr val="tx1"/>
-          </a:fontRef>
-        </p:style>
-      </p:cxnSp>
-      <p:cxnSp>
-        <p:nvCxnSpPr>
-          <p:cNvPr id="60" name="Straight Arrow Connector 59"/>
-          <p:cNvCxnSpPr>
-            <a:cxnSpLocks noChangeAspect="1"/>
-          </p:cNvCxnSpPr>
-          <p:nvPr/>
-        </p:nvCxnSpPr>
-        <p:spPr>
-          <a:xfrm flipH="1">
-            <a:off x="8489879" y="2791760"/>
-            <a:ext cx="288806" cy="288806"/>
-          </a:xfrm>
-          <a:prstGeom prst="straightConnector1">
-            <a:avLst/>
-          </a:prstGeom>
-          <a:ln>
-            <a:headEnd type="stealth" w="sm" len="sm"/>
-            <a:tailEnd type="stealth" w="sm" len="sm"/>
-          </a:ln>
-        </p:spPr>
-        <p:style>
-          <a:lnRef idx="1">
-            <a:schemeClr val="dk1"/>
-          </a:lnRef>
-          <a:fillRef idx="0">
-            <a:schemeClr val="dk1"/>
-          </a:fillRef>
-          <a:effectRef idx="0">
-            <a:schemeClr val="dk1"/>
-          </a:effectRef>
-          <a:fontRef idx="minor">
-            <a:schemeClr val="tx1"/>
-          </a:fontRef>
-        </p:style>
-      </p:cxnSp>
-      <mc:AlternateContent xmlns:mc="http://schemas.openxmlformats.org/markup-compatibility/2006">
-        <mc:Choice xmlns:a14="http://schemas.microsoft.com/office/drawing/2010/main" Requires="a14">
-          <p:sp>
-            <p:nvSpPr>
-              <p:cNvPr id="66" name="TextBox 65"/>
-              <p:cNvSpPr txBox="1"/>
-              <p:nvPr/>
-            </p:nvSpPr>
-            <p:spPr>
-              <a:xfrm>
-                <a:off x="8563789" y="2863453"/>
-                <a:ext cx="357801" cy="276999"/>
-              </a:xfrm>
-              <a:prstGeom prst="rect">
-                <a:avLst/>
-              </a:prstGeom>
-              <a:noFill/>
-            </p:spPr>
-            <p:txBody>
-              <a:bodyPr wrap="square" rtlCol="0">
-                <a:spAutoFit/>
-              </a:bodyPr>
-              <a:lstStyle/>
-              <a:p>
-                <a14:m>
-                  <m:oMathPara xmlns:m="http://schemas.openxmlformats.org/officeDocument/2006/math">
-                    <m:oMathParaPr>
-                      <m:jc m:val="centerGroup"/>
-                    </m:oMathParaPr>
-                    <m:oMath xmlns:m="http://schemas.openxmlformats.org/officeDocument/2006/math">
-                      <m:r>
-                        <m:rPr>
-                          <m:sty m:val="p"/>
-                        </m:rPr>
-                        <a:rPr lang="en-US" sz="1200" b="0" i="0" smtClean="0">
-                          <a:latin typeface="Cambria Math" panose="02040503050406030204" pitchFamily="18" charset="0"/>
-                        </a:rPr>
-                        <m:t>Δ</m:t>
-                      </m:r>
-                      <m:r>
-                        <a:rPr lang="en-US" sz="1200" b="0" i="1" smtClean="0">
-                          <a:latin typeface="Cambria Math" panose="02040503050406030204" pitchFamily="18" charset="0"/>
-                        </a:rPr>
-                        <m:t>𝐿</m:t>
-                      </m:r>
-                    </m:oMath>
-                  </m:oMathPara>
-                </a14:m>
-                <a:endParaRPr lang="en-US" sz="1200" dirty="0"/>
-              </a:p>
-            </p:txBody>
-          </p:sp>
-        </mc:Choice>
-        <mc:Fallback>
-          <p:sp>
-            <p:nvSpPr>
-              <p:cNvPr id="66" name="TextBox 65"/>
-              <p:cNvSpPr txBox="1">
-                <a:spLocks noRot="1" noChangeAspect="1" noMove="1" noResize="1" noEditPoints="1" noAdjustHandles="1" noChangeArrowheads="1" noChangeShapeType="1" noTextEdit="1"/>
-              </p:cNvSpPr>
-              <p:nvPr/>
-            </p:nvSpPr>
-            <p:spPr>
-              <a:xfrm>
-                <a:off x="8563789" y="2863453"/>
-                <a:ext cx="357801" cy="276999"/>
-              </a:xfrm>
-              <a:prstGeom prst="rect">
-                <a:avLst/>
-              </a:prstGeom>
-              <a:blipFill>
-                <a:blip r:embed="rId3"/>
-                <a:stretch>
-                  <a:fillRect/>
-                </a:stretch>
-              </a:blipFill>
-            </p:spPr>
-            <p:txBody>
-              <a:bodyPr/>
-              <a:lstStyle/>
-              <a:p>
-                <a:r>
-                  <a:rPr lang="en-US">
-                    <a:noFill/>
-                  </a:rPr>
-                  <a:t> </a:t>
-                </a:r>
-              </a:p>
-            </p:txBody>
-          </p:sp>
-        </mc:Fallback>
-      </mc:AlternateContent>
-      <mc:AlternateContent xmlns:mc="http://schemas.openxmlformats.org/markup-compatibility/2006">
-        <mc:Choice xmlns:a14="http://schemas.microsoft.com/office/drawing/2010/main" Requires="a14">
-          <p:sp>
-            <p:nvSpPr>
-              <p:cNvPr id="67" name="TextBox 66"/>
-              <p:cNvSpPr txBox="1"/>
-              <p:nvPr/>
-            </p:nvSpPr>
-            <p:spPr>
-              <a:xfrm>
-                <a:off x="7529827" y="2753194"/>
-                <a:ext cx="357801" cy="276999"/>
-              </a:xfrm>
-              <a:prstGeom prst="rect">
-                <a:avLst/>
-              </a:prstGeom>
-              <a:noFill/>
-            </p:spPr>
-            <p:txBody>
-              <a:bodyPr wrap="square" rtlCol="0">
-                <a:spAutoFit/>
-              </a:bodyPr>
-              <a:lstStyle/>
-              <a:p>
-                <a14:m>
-                  <m:oMathPara xmlns:m="http://schemas.openxmlformats.org/officeDocument/2006/math">
-                    <m:oMathParaPr>
-                      <m:jc m:val="centerGroup"/>
-                    </m:oMathParaPr>
-                    <m:oMath xmlns:m="http://schemas.openxmlformats.org/officeDocument/2006/math">
-                      <m:r>
-                        <m:rPr>
-                          <m:sty m:val="p"/>
-                        </m:rPr>
-                        <a:rPr lang="en-US" sz="1200" b="0" i="0" smtClean="0">
-                          <a:latin typeface="Cambria Math" panose="02040503050406030204" pitchFamily="18" charset="0"/>
-                        </a:rPr>
-                        <m:t>Δ</m:t>
-                      </m:r>
-                      <m:r>
-                        <a:rPr lang="en-US" sz="1200" b="0" i="1" smtClean="0">
-                          <a:latin typeface="Cambria Math" panose="02040503050406030204" pitchFamily="18" charset="0"/>
-                        </a:rPr>
-                        <m:t>𝐿</m:t>
-                      </m:r>
-                      <m:r>
-                        <a:rPr lang="en-US" sz="1200" b="0" i="1" smtClean="0">
-                          <a:latin typeface="Cambria Math" panose="02040503050406030204" pitchFamily="18" charset="0"/>
-                        </a:rPr>
-                        <m:t>′</m:t>
-                      </m:r>
-                    </m:oMath>
-                  </m:oMathPara>
-                </a14:m>
-                <a:endParaRPr lang="en-US" sz="1200" dirty="0"/>
-              </a:p>
-            </p:txBody>
-          </p:sp>
-        </mc:Choice>
-        <mc:Fallback>
-          <p:sp>
-            <p:nvSpPr>
-              <p:cNvPr id="67" name="TextBox 66"/>
-              <p:cNvSpPr txBox="1">
-                <a:spLocks noRot="1" noChangeAspect="1" noMove="1" noResize="1" noEditPoints="1" noAdjustHandles="1" noChangeArrowheads="1" noChangeShapeType="1" noTextEdit="1"/>
-              </p:cNvSpPr>
-              <p:nvPr/>
-            </p:nvSpPr>
-            <p:spPr>
-              <a:xfrm>
-                <a:off x="7529827" y="2753194"/>
-                <a:ext cx="357801" cy="276999"/>
-              </a:xfrm>
-              <a:prstGeom prst="rect">
-                <a:avLst/>
-              </a:prstGeom>
-              <a:blipFill>
-                <a:blip r:embed="rId4"/>
-                <a:stretch>
-                  <a:fillRect/>
-                </a:stretch>
-              </a:blipFill>
-            </p:spPr>
-            <p:txBody>
-              <a:bodyPr/>
-              <a:lstStyle/>
-              <a:p>
-                <a:r>
-                  <a:rPr lang="en-US">
-                    <a:noFill/>
-                  </a:rPr>
-                  <a:t> </a:t>
-                </a:r>
-              </a:p>
-            </p:txBody>
-          </p:sp>
-        </mc:Fallback>
-      </mc:AlternateContent>
-      <mc:AlternateContent xmlns:mc="http://schemas.openxmlformats.org/markup-compatibility/2006">
-        <mc:Choice xmlns:a14="http://schemas.microsoft.com/office/drawing/2010/main" Requires="a14">
-          <p:sp>
-            <p:nvSpPr>
-              <p:cNvPr id="68" name="TextBox 67"/>
-              <p:cNvSpPr txBox="1"/>
-              <p:nvPr/>
-            </p:nvSpPr>
-            <p:spPr>
-              <a:xfrm>
-                <a:off x="7979239" y="2538959"/>
-                <a:ext cx="357801" cy="276999"/>
-              </a:xfrm>
-              <a:prstGeom prst="rect">
-                <a:avLst/>
-              </a:prstGeom>
-              <a:noFill/>
-            </p:spPr>
-            <p:txBody>
-              <a:bodyPr wrap="square" rtlCol="0">
-                <a:spAutoFit/>
-              </a:bodyPr>
-              <a:lstStyle/>
-              <a:p>
-                <a14:m>
-                  <m:oMathPara xmlns:m="http://schemas.openxmlformats.org/officeDocument/2006/math">
-                    <m:oMathParaPr>
-                      <m:jc m:val="centerGroup"/>
-                    </m:oMathParaPr>
-                    <m:oMath xmlns:m="http://schemas.openxmlformats.org/officeDocument/2006/math">
-                      <m:r>
-                        <m:rPr>
-                          <m:sty m:val="p"/>
-                        </m:rPr>
-                        <a:rPr lang="en-US" sz="1200" b="0" i="0" smtClean="0">
-                          <a:latin typeface="Cambria Math" panose="02040503050406030204" pitchFamily="18" charset="0"/>
-                        </a:rPr>
-                        <m:t>Δ</m:t>
-                      </m:r>
-                      <m:r>
-                        <a:rPr lang="en-US" sz="1200" b="0" i="1" smtClean="0">
-                          <a:latin typeface="Cambria Math" panose="02040503050406030204" pitchFamily="18" charset="0"/>
-                        </a:rPr>
-                        <m:t>𝐿</m:t>
-                      </m:r>
-                      <m:r>
-                        <a:rPr lang="en-US" sz="1200" b="0" i="1" smtClean="0">
-                          <a:latin typeface="Cambria Math" panose="02040503050406030204" pitchFamily="18" charset="0"/>
-                        </a:rPr>
-                        <m:t>′</m:t>
-                      </m:r>
-                    </m:oMath>
-                  </m:oMathPara>
-                </a14:m>
-                <a:endParaRPr lang="en-US" sz="1200" dirty="0"/>
-              </a:p>
-            </p:txBody>
-          </p:sp>
-        </mc:Choice>
-        <mc:Fallback>
-          <p:sp>
-            <p:nvSpPr>
-              <p:cNvPr id="68" name="TextBox 67"/>
-              <p:cNvSpPr txBox="1">
-                <a:spLocks noRot="1" noChangeAspect="1" noMove="1" noResize="1" noEditPoints="1" noAdjustHandles="1" noChangeArrowheads="1" noChangeShapeType="1" noTextEdit="1"/>
-              </p:cNvSpPr>
-              <p:nvPr/>
-            </p:nvSpPr>
-            <p:spPr>
-              <a:xfrm>
-                <a:off x="7979239" y="2538959"/>
-                <a:ext cx="357801" cy="276999"/>
-              </a:xfrm>
-              <a:prstGeom prst="rect">
-                <a:avLst/>
-              </a:prstGeom>
-              <a:blipFill>
-                <a:blip r:embed="rId5"/>
-                <a:stretch>
-                  <a:fillRect/>
                 </a:stretch>
               </a:blipFill>
             </p:spPr>
@@ -6290,48 +5728,8 @@
           </a:fontRef>
         </p:style>
       </p:cxnSp>
-      <p:sp>
-        <p:nvSpPr>
-          <p:cNvPr id="107" name="Right Arrow 106"/>
-          <p:cNvSpPr/>
-          <p:nvPr/>
-        </p:nvSpPr>
-        <p:spPr>
-          <a:xfrm rot="8473700">
-            <a:off x="7322873" y="3558639"/>
-            <a:ext cx="837210" cy="263977"/>
-          </a:xfrm>
-          <a:prstGeom prst="rightArrow">
-            <a:avLst/>
-          </a:prstGeom>
-        </p:spPr>
-        <p:style>
-          <a:lnRef idx="2">
-            <a:schemeClr val="dk1">
-              <a:shade val="50000"/>
-            </a:schemeClr>
-          </a:lnRef>
-          <a:fillRef idx="1">
-            <a:schemeClr val="dk1"/>
-          </a:fillRef>
-          <a:effectRef idx="0">
-            <a:schemeClr val="dk1"/>
-          </a:effectRef>
-          <a:fontRef idx="minor">
-            <a:schemeClr val="lt1"/>
-          </a:fontRef>
-        </p:style>
-        <p:txBody>
-          <a:bodyPr rtlCol="0" anchor="ctr"/>
-          <a:lstStyle/>
-          <a:p>
-            <a:pPr algn="ctr"/>
-            <a:endParaRPr lang="en-US"/>
-          </a:p>
-        </p:txBody>
-      </p:sp>
-      <mc:AlternateContent xmlns:mc="http://schemas.openxmlformats.org/markup-compatibility/2006">
-        <mc:Choice xmlns:a14="http://schemas.microsoft.com/office/drawing/2010/main" Requires="a14">
+      <mc:AlternateContent xmlns:mc="http://schemas.openxmlformats.org/markup-compatibility/2006" xmlns:a14="http://schemas.microsoft.com/office/drawing/2010/main">
+        <mc:Choice Requires="a14">
           <p:sp>
             <p:nvSpPr>
               <p:cNvPr id="108" name="TextBox 107"/>
@@ -6354,6 +5752,7 @@
               </a:bodyPr>
               <a:lstStyle/>
               <a:p>
+                <a:pPr/>
                 <a14:m>
                   <m:oMathPara xmlns:m="http://schemas.openxmlformats.org/officeDocument/2006/math">
                     <m:oMathParaPr>
@@ -6393,7 +5792,7 @@
             </p:txBody>
           </p:sp>
         </mc:Choice>
-        <mc:Fallback>
+        <mc:Fallback xmlns="">
           <p:sp>
             <p:nvSpPr>
               <p:cNvPr id="108" name="TextBox 107"/>
@@ -6432,8 +5831,8 @@
           </p:sp>
         </mc:Fallback>
       </mc:AlternateContent>
-      <mc:AlternateContent xmlns:mc="http://schemas.openxmlformats.org/markup-compatibility/2006">
-        <mc:Choice xmlns:a14="http://schemas.microsoft.com/office/drawing/2010/main" Requires="a14">
+      <mc:AlternateContent xmlns:mc="http://schemas.openxmlformats.org/markup-compatibility/2006" xmlns:a14="http://schemas.microsoft.com/office/drawing/2010/main">
+        <mc:Choice Requires="a14">
           <p:sp>
             <p:nvSpPr>
               <p:cNvPr id="109" name="TextBox 108"/>
@@ -6456,6 +5855,7 @@
               </a:bodyPr>
               <a:lstStyle/>
               <a:p>
+                <a:pPr/>
                 <a14:m>
                   <m:oMathPara xmlns:m="http://schemas.openxmlformats.org/officeDocument/2006/math">
                     <m:oMathParaPr>
@@ -6495,7 +5895,7 @@
             </p:txBody>
           </p:sp>
         </mc:Choice>
-        <mc:Fallback>
+        <mc:Fallback xmlns="">
           <p:sp>
             <p:nvSpPr>
               <p:cNvPr id="109" name="TextBox 108"/>
@@ -6534,8 +5934,8 @@
           </p:sp>
         </mc:Fallback>
       </mc:AlternateContent>
-      <mc:AlternateContent xmlns:mc="http://schemas.openxmlformats.org/markup-compatibility/2006">
-        <mc:Choice xmlns:a14="http://schemas.microsoft.com/office/drawing/2010/main" Requires="a14">
+      <mc:AlternateContent xmlns:mc="http://schemas.openxmlformats.org/markup-compatibility/2006" xmlns:a14="http://schemas.microsoft.com/office/drawing/2010/main">
+        <mc:Choice Requires="a14">
           <p:sp>
             <p:nvSpPr>
               <p:cNvPr id="110" name="TextBox 109"/>
@@ -6558,6 +5958,7 @@
               </a:bodyPr>
               <a:lstStyle/>
               <a:p>
+                <a:pPr/>
                 <a14:m>
                   <m:oMathPara xmlns:m="http://schemas.openxmlformats.org/officeDocument/2006/math">
                     <m:oMathParaPr>
@@ -6597,7 +5998,7 @@
             </p:txBody>
           </p:sp>
         </mc:Choice>
-        <mc:Fallback>
+        <mc:Fallback xmlns="">
           <p:sp>
             <p:nvSpPr>
               <p:cNvPr id="110" name="TextBox 109"/>
@@ -6636,8 +6037,8 @@
           </p:sp>
         </mc:Fallback>
       </mc:AlternateContent>
-      <mc:AlternateContent xmlns:mc="http://schemas.openxmlformats.org/markup-compatibility/2006">
-        <mc:Choice xmlns:a14="http://schemas.microsoft.com/office/drawing/2010/main" Requires="a14">
+      <mc:AlternateContent xmlns:mc="http://schemas.openxmlformats.org/markup-compatibility/2006" xmlns:a14="http://schemas.microsoft.com/office/drawing/2010/main">
+        <mc:Choice Requires="a14">
           <p:sp>
             <p:nvSpPr>
               <p:cNvPr id="111" name="TextBox 110"/>
@@ -6660,6 +6061,7 @@
               </a:bodyPr>
               <a:lstStyle/>
               <a:p>
+                <a:pPr/>
                 <a14:m>
                   <m:oMathPara xmlns:m="http://schemas.openxmlformats.org/officeDocument/2006/math">
                     <m:oMathParaPr>
@@ -6699,7 +6101,7 @@
             </p:txBody>
           </p:sp>
         </mc:Choice>
-        <mc:Fallback>
+        <mc:Fallback xmlns="">
           <p:sp>
             <p:nvSpPr>
               <p:cNvPr id="111" name="TextBox 110"/>
@@ -6738,8 +6140,8 @@
           </p:sp>
         </mc:Fallback>
       </mc:AlternateContent>
-      <mc:AlternateContent xmlns:mc="http://schemas.openxmlformats.org/markup-compatibility/2006">
-        <mc:Choice xmlns:a14="http://schemas.microsoft.com/office/drawing/2010/main" Requires="a14">
+      <mc:AlternateContent xmlns:mc="http://schemas.openxmlformats.org/markup-compatibility/2006" xmlns:a14="http://schemas.microsoft.com/office/drawing/2010/main">
+        <mc:Choice Requires="a14">
           <p:sp>
             <p:nvSpPr>
               <p:cNvPr id="113" name="TextBox 112"/>
@@ -6762,6 +6164,7 @@
               </a:bodyPr>
               <a:lstStyle/>
               <a:p>
+                <a:pPr/>
                 <a14:m>
                   <m:oMathPara xmlns:m="http://schemas.openxmlformats.org/officeDocument/2006/math">
                     <m:oMathParaPr>
@@ -6782,7 +6185,7 @@
             </p:txBody>
           </p:sp>
         </mc:Choice>
-        <mc:Fallback>
+        <mc:Fallback xmlns="">
           <p:sp>
             <p:nvSpPr>
               <p:cNvPr id="113" name="TextBox 112"/>
@@ -6821,8 +6224,8 @@
           </p:sp>
         </mc:Fallback>
       </mc:AlternateContent>
-      <mc:AlternateContent xmlns:mc="http://schemas.openxmlformats.org/markup-compatibility/2006">
-        <mc:Choice xmlns:a14="http://schemas.microsoft.com/office/drawing/2010/main" Requires="a14">
+      <mc:AlternateContent xmlns:mc="http://schemas.openxmlformats.org/markup-compatibility/2006" xmlns:a14="http://schemas.microsoft.com/office/drawing/2010/main">
+        <mc:Choice Requires="a14">
           <p:sp>
             <p:nvSpPr>
               <p:cNvPr id="114" name="TextBox 113"/>
@@ -6845,6 +6248,7 @@
               </a:bodyPr>
               <a:lstStyle/>
               <a:p>
+                <a:pPr/>
                 <a14:m>
                   <m:oMathPara xmlns:m="http://schemas.openxmlformats.org/officeDocument/2006/math">
                     <m:oMathParaPr>
@@ -6883,7 +6287,7 @@
             </p:txBody>
           </p:sp>
         </mc:Choice>
-        <mc:Fallback>
+        <mc:Fallback xmlns="">
           <p:sp>
             <p:nvSpPr>
               <p:cNvPr id="114" name="TextBox 113"/>
@@ -6922,8 +6326,8 @@
           </p:sp>
         </mc:Fallback>
       </mc:AlternateContent>
-      <mc:AlternateContent xmlns:mc="http://schemas.openxmlformats.org/markup-compatibility/2006">
-        <mc:Choice xmlns:a14="http://schemas.microsoft.com/office/drawing/2010/main" Requires="a14">
+      <mc:AlternateContent xmlns:mc="http://schemas.openxmlformats.org/markup-compatibility/2006" xmlns:a14="http://schemas.microsoft.com/office/drawing/2010/main">
+        <mc:Choice Requires="a14">
           <p:sp>
             <p:nvSpPr>
               <p:cNvPr id="115" name="TextBox 114"/>
@@ -6946,6 +6350,7 @@
               </a:bodyPr>
               <a:lstStyle/>
               <a:p>
+                <a:pPr/>
                 <a14:m>
                   <m:oMathPara xmlns:m="http://schemas.openxmlformats.org/officeDocument/2006/math">
                     <m:oMathParaPr>
@@ -6984,7 +6389,7 @@
             </p:txBody>
           </p:sp>
         </mc:Choice>
-        <mc:Fallback>
+        <mc:Fallback xmlns="">
           <p:sp>
             <p:nvSpPr>
               <p:cNvPr id="115" name="TextBox 114"/>
@@ -7023,8 +6428,8 @@
           </p:sp>
         </mc:Fallback>
       </mc:AlternateContent>
-      <mc:AlternateContent xmlns:mc="http://schemas.openxmlformats.org/markup-compatibility/2006">
-        <mc:Choice xmlns:a14="http://schemas.microsoft.com/office/drawing/2010/main" Requires="a14">
+      <mc:AlternateContent xmlns:mc="http://schemas.openxmlformats.org/markup-compatibility/2006" xmlns:a14="http://schemas.microsoft.com/office/drawing/2010/main">
+        <mc:Choice Requires="a14">
           <p:sp>
             <p:nvSpPr>
               <p:cNvPr id="116" name="TextBox 115"/>
@@ -7047,6 +6452,7 @@
               </a:bodyPr>
               <a:lstStyle/>
               <a:p>
+                <a:pPr/>
                 <a14:m>
                   <m:oMathPara xmlns:m="http://schemas.openxmlformats.org/officeDocument/2006/math">
                     <m:oMathParaPr>
@@ -7104,7 +6510,7 @@
             </p:txBody>
           </p:sp>
         </mc:Choice>
-        <mc:Fallback>
+        <mc:Fallback xmlns="">
           <p:sp>
             <p:nvSpPr>
               <p:cNvPr id="116" name="TextBox 115"/>
@@ -7143,8 +6549,8 @@
           </p:sp>
         </mc:Fallback>
       </mc:AlternateContent>
-      <mc:AlternateContent xmlns:mc="http://schemas.openxmlformats.org/markup-compatibility/2006">
-        <mc:Choice xmlns:a14="http://schemas.microsoft.com/office/drawing/2010/main" Requires="a14">
+      <mc:AlternateContent xmlns:mc="http://schemas.openxmlformats.org/markup-compatibility/2006" xmlns:a14="http://schemas.microsoft.com/office/drawing/2010/main">
+        <mc:Choice Requires="a14">
           <p:sp>
             <p:nvSpPr>
               <p:cNvPr id="117" name="TextBox 116"/>
@@ -7167,6 +6573,7 @@
               </a:bodyPr>
               <a:lstStyle/>
               <a:p>
+                <a:pPr/>
                 <a14:m>
                   <m:oMathPara xmlns:m="http://schemas.openxmlformats.org/officeDocument/2006/math">
                     <m:oMathParaPr>
@@ -7229,7 +6636,7 @@
             </p:txBody>
           </p:sp>
         </mc:Choice>
-        <mc:Fallback>
+        <mc:Fallback xmlns="">
           <p:sp>
             <p:nvSpPr>
               <p:cNvPr id="117" name="TextBox 116"/>
@@ -7268,8 +6675,8 @@
           </p:sp>
         </mc:Fallback>
       </mc:AlternateContent>
-      <mc:AlternateContent xmlns:mc="http://schemas.openxmlformats.org/markup-compatibility/2006">
-        <mc:Choice xmlns:a14="http://schemas.microsoft.com/office/drawing/2010/main" Requires="a14">
+      <mc:AlternateContent xmlns:mc="http://schemas.openxmlformats.org/markup-compatibility/2006" xmlns:a14="http://schemas.microsoft.com/office/drawing/2010/main">
+        <mc:Choice Requires="a14">
           <p:sp>
             <p:nvSpPr>
               <p:cNvPr id="118" name="TextBox 117"/>
@@ -7292,6 +6699,7 @@
               </a:bodyPr>
               <a:lstStyle/>
               <a:p>
+                <a:pPr/>
                 <a14:m>
                   <m:oMathPara xmlns:m="http://schemas.openxmlformats.org/officeDocument/2006/math">
                     <m:oMathParaPr>
@@ -7403,7 +6811,7 @@
             </p:txBody>
           </p:sp>
         </mc:Choice>
-        <mc:Fallback>
+        <mc:Fallback xmlns="">
           <p:sp>
             <p:nvSpPr>
               <p:cNvPr id="118" name="TextBox 117"/>
@@ -7442,8 +6850,8 @@
           </p:sp>
         </mc:Fallback>
       </mc:AlternateContent>
-      <mc:AlternateContent xmlns:mc="http://schemas.openxmlformats.org/markup-compatibility/2006">
-        <mc:Choice xmlns:a14="http://schemas.microsoft.com/office/drawing/2010/main" Requires="a14">
+      <mc:AlternateContent xmlns:mc="http://schemas.openxmlformats.org/markup-compatibility/2006" xmlns:a14="http://schemas.microsoft.com/office/drawing/2010/main">
+        <mc:Choice Requires="a14">
           <p:sp>
             <p:nvSpPr>
               <p:cNvPr id="119" name="TextBox 118"/>
@@ -7466,6 +6874,7 @@
               </a:bodyPr>
               <a:lstStyle/>
               <a:p>
+                <a:pPr/>
                 <a14:m>
                   <m:oMathPara xmlns:m="http://schemas.openxmlformats.org/officeDocument/2006/math">
                     <m:oMathParaPr>
@@ -7528,7 +6937,7 @@
             </p:txBody>
           </p:sp>
         </mc:Choice>
-        <mc:Fallback>
+        <mc:Fallback xmlns="">
           <p:sp>
             <p:nvSpPr>
               <p:cNvPr id="119" name="TextBox 118"/>
@@ -7567,8 +6976,8 @@
           </p:sp>
         </mc:Fallback>
       </mc:AlternateContent>
-      <mc:AlternateContent xmlns:mc="http://schemas.openxmlformats.org/markup-compatibility/2006">
-        <mc:Choice xmlns:a14="http://schemas.microsoft.com/office/drawing/2010/main" Requires="a14">
+      <mc:AlternateContent xmlns:mc="http://schemas.openxmlformats.org/markup-compatibility/2006" xmlns:a14="http://schemas.microsoft.com/office/drawing/2010/main">
+        <mc:Choice Requires="a14">
           <p:sp>
             <p:nvSpPr>
               <p:cNvPr id="120" name="TextBox 119"/>
@@ -7591,6 +7000,7 @@
               </a:bodyPr>
               <a:lstStyle/>
               <a:p>
+                <a:pPr/>
                 <a14:m>
                   <m:oMathPara xmlns:m="http://schemas.openxmlformats.org/officeDocument/2006/math">
                     <m:oMathParaPr>
@@ -7629,7 +7039,7 @@
             </p:txBody>
           </p:sp>
         </mc:Choice>
-        <mc:Fallback>
+        <mc:Fallback xmlns="">
           <p:sp>
             <p:nvSpPr>
               <p:cNvPr id="120" name="TextBox 119"/>
@@ -7650,89 +7060,6 @@
                 <a:blip r:embed="rId17"/>
                 <a:stretch>
                   <a:fillRect r="-34211"/>
-                </a:stretch>
-              </a:blipFill>
-            </p:spPr>
-            <p:txBody>
-              <a:bodyPr/>
-              <a:lstStyle/>
-              <a:p>
-                <a:r>
-                  <a:rPr lang="en-US">
-                    <a:noFill/>
-                  </a:rPr>
-                  <a:t> </a:t>
-                </a:r>
-              </a:p>
-            </p:txBody>
-          </p:sp>
-        </mc:Fallback>
-      </mc:AlternateContent>
-      <mc:AlternateContent xmlns:mc="http://schemas.openxmlformats.org/markup-compatibility/2006">
-        <mc:Choice xmlns:a14="http://schemas.microsoft.com/office/drawing/2010/main" Requires="a14">
-          <p:sp>
-            <p:nvSpPr>
-              <p:cNvPr id="122" name="TextBox 121"/>
-              <p:cNvSpPr txBox="1"/>
-              <p:nvPr/>
-            </p:nvSpPr>
-            <p:spPr>
-              <a:xfrm>
-                <a:off x="7554129" y="2131285"/>
-                <a:ext cx="357801" cy="276999"/>
-              </a:xfrm>
-              <a:prstGeom prst="rect">
-                <a:avLst/>
-              </a:prstGeom>
-              <a:noFill/>
-            </p:spPr>
-            <p:txBody>
-              <a:bodyPr wrap="square" rtlCol="0">
-                <a:spAutoFit/>
-              </a:bodyPr>
-              <a:lstStyle/>
-              <a:p>
-                <a14:m>
-                  <m:oMathPara xmlns:m="http://schemas.openxmlformats.org/officeDocument/2006/math">
-                    <m:oMathParaPr>
-                      <m:jc m:val="centerGroup"/>
-                    </m:oMathParaPr>
-                    <m:oMath xmlns:m="http://schemas.openxmlformats.org/officeDocument/2006/math">
-                      <m:r>
-                        <a:rPr lang="en-US" sz="1200" b="0" i="1" smtClean="0">
-                          <a:latin typeface="Cambria Math" panose="02040503050406030204" pitchFamily="18" charset="0"/>
-                        </a:rPr>
-                        <m:t>𝐿</m:t>
-                      </m:r>
-                    </m:oMath>
-                  </m:oMathPara>
-                </a14:m>
-                <a:endParaRPr lang="en-US" sz="1200" dirty="0"/>
-              </a:p>
-            </p:txBody>
-          </p:sp>
-        </mc:Choice>
-        <mc:Fallback>
-          <p:sp>
-            <p:nvSpPr>
-              <p:cNvPr id="122" name="TextBox 121"/>
-              <p:cNvSpPr txBox="1">
-                <a:spLocks noRot="1" noChangeAspect="1" noMove="1" noResize="1" noEditPoints="1" noAdjustHandles="1" noChangeArrowheads="1" noChangeShapeType="1" noTextEdit="1"/>
-              </p:cNvSpPr>
-              <p:nvPr/>
-            </p:nvSpPr>
-            <p:spPr>
-              <a:xfrm>
-                <a:off x="7554129" y="2131285"/>
-                <a:ext cx="357801" cy="276999"/>
-              </a:xfrm>
-              <a:prstGeom prst="rect">
-                <a:avLst/>
-              </a:prstGeom>
-              <a:blipFill>
-                <a:blip r:embed="rId18"/>
-                <a:stretch>
-                  <a:fillRect/>
                 </a:stretch>
               </a:blipFill>
             </p:spPr>
@@ -7861,8 +7188,8 @@
           </a:fontRef>
         </p:style>
       </p:cxnSp>
-      <mc:AlternateContent xmlns:mc="http://schemas.openxmlformats.org/markup-compatibility/2006">
-        <mc:Choice xmlns:a14="http://schemas.microsoft.com/office/drawing/2010/main" Requires="a14">
+      <mc:AlternateContent xmlns:mc="http://schemas.openxmlformats.org/markup-compatibility/2006" xmlns:a14="http://schemas.microsoft.com/office/drawing/2010/main">
+        <mc:Choice Requires="a14">
           <p:sp>
             <p:nvSpPr>
               <p:cNvPr id="126" name="TextBox 125"/>
@@ -7885,6 +7212,7 @@
               </a:bodyPr>
               <a:lstStyle/>
               <a:p>
+                <a:pPr/>
                 <a14:m>
                   <m:oMathPara xmlns:m="http://schemas.openxmlformats.org/officeDocument/2006/math">
                     <m:oMathParaPr>
@@ -7947,7 +7275,7 @@
             </p:txBody>
           </p:sp>
         </mc:Choice>
-        <mc:Fallback>
+        <mc:Fallback xmlns="">
           <p:sp>
             <p:nvSpPr>
               <p:cNvPr id="126" name="TextBox 125"/>
@@ -8096,8 +7424,8 @@
           </a:fontRef>
         </p:style>
       </p:cxnSp>
-      <mc:AlternateContent xmlns:mc="http://schemas.openxmlformats.org/markup-compatibility/2006">
-        <mc:Choice xmlns:a14="http://schemas.microsoft.com/office/drawing/2010/main" Requires="a14">
+      <mc:AlternateContent xmlns:mc="http://schemas.openxmlformats.org/markup-compatibility/2006" xmlns:a14="http://schemas.microsoft.com/office/drawing/2010/main">
+        <mc:Choice Requires="a14">
           <p:sp>
             <p:nvSpPr>
               <p:cNvPr id="130" name="TextBox 129"/>
@@ -8120,6 +7448,7 @@
               </a:bodyPr>
               <a:lstStyle/>
               <a:p>
+                <a:pPr/>
                 <a14:m>
                   <m:oMathPara xmlns:m="http://schemas.openxmlformats.org/officeDocument/2006/math">
                     <m:oMathParaPr>
@@ -8273,7 +7602,7 @@
             </p:txBody>
           </p:sp>
         </mc:Choice>
-        <mc:Fallback>
+        <mc:Fallback xmlns="">
           <p:sp>
             <p:nvSpPr>
               <p:cNvPr id="130" name="TextBox 129"/>
@@ -8423,10 +7752,9 @@
           <a:p>
             <a:pPr algn="ctr"/>
             <a:r>
-              <a:rPr lang="en-US" dirty="0" smtClean="0"/>
+              <a:rPr lang="en-US" dirty="0"/>
               <a:t>Pretty</a:t>
             </a:r>
-            <a:endParaRPr lang="en-US" dirty="0"/>
           </a:p>
         </p:txBody>
       </p:sp>
@@ -8567,10 +7895,9 @@
           <a:p>
             <a:pPr algn="ctr"/>
             <a:r>
-              <a:rPr lang="en-US" dirty="0" smtClean="0"/>
+              <a:rPr lang="en-US" dirty="0"/>
               <a:t>Ugly</a:t>
             </a:r>
-            <a:endParaRPr lang="en-US" dirty="0"/>
           </a:p>
         </p:txBody>
       </p:sp>
@@ -8621,10 +7948,9 @@
           <a:p>
             <a:pPr algn="ctr"/>
             <a:r>
-              <a:rPr lang="en-US" dirty="0" smtClean="0"/>
+              <a:rPr lang="en-US" dirty="0"/>
               <a:t>Pretty Ugly</a:t>
             </a:r>
-            <a:endParaRPr lang="en-US" dirty="0"/>
           </a:p>
         </p:txBody>
       </p:sp>
